--- a/課題研究/2015/遠藤一輝/ポスター.pptx
+++ b/課題研究/2015/遠藤一輝/ポスター.pptx
@@ -243,7 +243,7 @@
           <a:p>
             <a:fld id="{B4B2CA72-24AD-4332-9D1C-35DD63E783C0}" type="datetimeFigureOut">
               <a:rPr kumimoji="1" lang="ja-JP" altLang="en-US" smtClean="0"/>
-              <a:t>2015/12/16</a:t>
+              <a:t>2015/12/17</a:t>
             </a:fld>
             <a:endParaRPr kumimoji="1" lang="ja-JP" altLang="en-US"/>
           </a:p>
@@ -445,7 +445,7 @@
           <a:p>
             <a:fld id="{B4B2CA72-24AD-4332-9D1C-35DD63E783C0}" type="datetimeFigureOut">
               <a:rPr kumimoji="1" lang="ja-JP" altLang="en-US" smtClean="0"/>
-              <a:t>2015/12/16</a:t>
+              <a:t>2015/12/17</a:t>
             </a:fld>
             <a:endParaRPr kumimoji="1" lang="ja-JP" altLang="en-US"/>
           </a:p>
@@ -657,7 +657,7 @@
           <a:p>
             <a:fld id="{B4B2CA72-24AD-4332-9D1C-35DD63E783C0}" type="datetimeFigureOut">
               <a:rPr kumimoji="1" lang="ja-JP" altLang="en-US" smtClean="0"/>
-              <a:t>2015/12/16</a:t>
+              <a:t>2015/12/17</a:t>
             </a:fld>
             <a:endParaRPr kumimoji="1" lang="ja-JP" altLang="en-US"/>
           </a:p>
@@ -859,7 +859,7 @@
           <a:p>
             <a:fld id="{B4B2CA72-24AD-4332-9D1C-35DD63E783C0}" type="datetimeFigureOut">
               <a:rPr kumimoji="1" lang="ja-JP" altLang="en-US" smtClean="0"/>
-              <a:t>2015/12/16</a:t>
+              <a:t>2015/12/17</a:t>
             </a:fld>
             <a:endParaRPr kumimoji="1" lang="ja-JP" altLang="en-US"/>
           </a:p>
@@ -1105,7 +1105,7 @@
           <a:p>
             <a:fld id="{B4B2CA72-24AD-4332-9D1C-35DD63E783C0}" type="datetimeFigureOut">
               <a:rPr kumimoji="1" lang="ja-JP" altLang="en-US" smtClean="0"/>
-              <a:t>2015/12/16</a:t>
+              <a:t>2015/12/17</a:t>
             </a:fld>
             <a:endParaRPr kumimoji="1" lang="ja-JP" altLang="en-US"/>
           </a:p>
@@ -1401,7 +1401,7 @@
           <a:p>
             <a:fld id="{B4B2CA72-24AD-4332-9D1C-35DD63E783C0}" type="datetimeFigureOut">
               <a:rPr kumimoji="1" lang="ja-JP" altLang="en-US" smtClean="0"/>
-              <a:t>2015/12/16</a:t>
+              <a:t>2015/12/17</a:t>
             </a:fld>
             <a:endParaRPr kumimoji="1" lang="ja-JP" altLang="en-US"/>
           </a:p>
@@ -1832,7 +1832,7 @@
           <a:p>
             <a:fld id="{B4B2CA72-24AD-4332-9D1C-35DD63E783C0}" type="datetimeFigureOut">
               <a:rPr kumimoji="1" lang="ja-JP" altLang="en-US" smtClean="0"/>
-              <a:t>2015/12/16</a:t>
+              <a:t>2015/12/17</a:t>
             </a:fld>
             <a:endParaRPr kumimoji="1" lang="ja-JP" altLang="en-US"/>
           </a:p>
@@ -1950,7 +1950,7 @@
           <a:p>
             <a:fld id="{B4B2CA72-24AD-4332-9D1C-35DD63E783C0}" type="datetimeFigureOut">
               <a:rPr kumimoji="1" lang="ja-JP" altLang="en-US" smtClean="0"/>
-              <a:t>2015/12/16</a:t>
+              <a:t>2015/12/17</a:t>
             </a:fld>
             <a:endParaRPr kumimoji="1" lang="ja-JP" altLang="en-US"/>
           </a:p>
@@ -2045,7 +2045,7 @@
           <a:p>
             <a:fld id="{B4B2CA72-24AD-4332-9D1C-35DD63E783C0}" type="datetimeFigureOut">
               <a:rPr kumimoji="1" lang="ja-JP" altLang="en-US" smtClean="0"/>
-              <a:t>2015/12/16</a:t>
+              <a:t>2015/12/17</a:t>
             </a:fld>
             <a:endParaRPr kumimoji="1" lang="ja-JP" altLang="en-US"/>
           </a:p>
@@ -2354,7 +2354,7 @@
           <a:p>
             <a:fld id="{B4B2CA72-24AD-4332-9D1C-35DD63E783C0}" type="datetimeFigureOut">
               <a:rPr kumimoji="1" lang="ja-JP" altLang="en-US" smtClean="0"/>
-              <a:t>2015/12/16</a:t>
+              <a:t>2015/12/17</a:t>
             </a:fld>
             <a:endParaRPr kumimoji="1" lang="ja-JP" altLang="en-US"/>
           </a:p>
@@ -2607,7 +2607,7 @@
           <a:p>
             <a:fld id="{B4B2CA72-24AD-4332-9D1C-35DD63E783C0}" type="datetimeFigureOut">
               <a:rPr kumimoji="1" lang="ja-JP" altLang="en-US" smtClean="0"/>
-              <a:t>2015/12/16</a:t>
+              <a:t>2015/12/17</a:t>
             </a:fld>
             <a:endParaRPr kumimoji="1" lang="ja-JP" altLang="en-US"/>
           </a:p>
@@ -2852,7 +2852,7 @@
           <a:p>
             <a:fld id="{B4B2CA72-24AD-4332-9D1C-35DD63E783C0}" type="datetimeFigureOut">
               <a:rPr kumimoji="1" lang="ja-JP" altLang="en-US" smtClean="0"/>
-              <a:t>2015/12/16</a:t>
+              <a:t>2015/12/17</a:t>
             </a:fld>
             <a:endParaRPr kumimoji="1" lang="ja-JP" altLang="en-US"/>
           </a:p>
@@ -3354,8 +3354,8 @@
         </p:nvSpPr>
         <p:spPr>
           <a:xfrm>
-            <a:off x="42374" y="62536"/>
-            <a:ext cx="5885091" cy="1084943"/>
+            <a:off x="329749" y="62536"/>
+            <a:ext cx="5597716" cy="1084943"/>
           </a:xfrm>
           <a:prstGeom prst="flowChartAlternateProcess">
             <a:avLst/>
@@ -3396,13 +3396,42 @@
           <a:p>
             <a:pPr algn="ctr"/>
             <a:r>
-              <a:rPr lang="ja-JP" altLang="en-US" sz="2400" dirty="0">
+              <a:rPr lang="ja-JP" altLang="en-US" sz="2400" dirty="0" smtClean="0">
                 <a:solidFill>
                   <a:schemeClr val="tx1"/>
                 </a:solidFill>
               </a:rPr>
-              <a:t>ソーシャルゲームにおける登録数の増加と稼働日数の推移の関連性について</a:t>
-            </a:r>
+              <a:t>ソーシャルゲームにおける登録数の</a:t>
+            </a:r>
+            <a:endParaRPr lang="en-US" altLang="ja-JP" sz="2400" smtClean="0">
+              <a:solidFill>
+                <a:schemeClr val="tx1"/>
+              </a:solidFill>
+            </a:endParaRPr>
+          </a:p>
+          <a:p>
+            <a:pPr algn="ctr"/>
+            <a:r>
+              <a:rPr lang="ja-JP" altLang="en-US" sz="2400" smtClean="0">
+                <a:solidFill>
+                  <a:schemeClr val="tx1"/>
+                </a:solidFill>
+              </a:rPr>
+              <a:t>時間</a:t>
+            </a:r>
+            <a:r>
+              <a:rPr lang="ja-JP" altLang="en-US" sz="2400" dirty="0" smtClean="0">
+                <a:solidFill>
+                  <a:schemeClr val="tx1"/>
+                </a:solidFill>
+              </a:rPr>
+              <a:t>変化のパターン分類</a:t>
+            </a:r>
+            <a:endParaRPr lang="ja-JP" altLang="en-US" sz="2400" dirty="0">
+              <a:solidFill>
+                <a:schemeClr val="tx1"/>
+              </a:solidFill>
+            </a:endParaRPr>
           </a:p>
         </p:txBody>
       </p:sp>
@@ -3813,7 +3842,7 @@
           <a:graphicData uri="http://schemas.openxmlformats.org/presentationml/2006/ole">
             <mc:AlternateContent xmlns:mc="http://schemas.openxmlformats.org/markup-compatibility/2006">
               <mc:Choice xmlns:v="urn:schemas-microsoft-com:vml" Requires="v">
-                <p:oleObj spid="_x0000_s1040" name="Acrobat Document" r:id="rId3" imgW="6309153" imgH="3512453" progId="AcroExch.Document.11">
+                <p:oleObj spid="_x0000_s1041" name="Acrobat Document" r:id="rId3" imgW="6309153" imgH="3512453" progId="AcroExch.Document.11">
                   <p:embed/>
                 </p:oleObj>
               </mc:Choice>
@@ -3968,11 +3997,7 @@
             </a:r>
             <a:r>
               <a:rPr lang="ja-JP" altLang="en-US" sz="1200" smtClean="0"/>
-              <a:t>の</a:t>
-            </a:r>
-            <a:r>
-              <a:rPr lang="ja-JP" altLang="en-US" sz="1200" smtClean="0"/>
-              <a:t>推移から、その</a:t>
+              <a:t>の推移から、その</a:t>
             </a:r>
             <a:r>
               <a:rPr lang="ja-JP" altLang="en-US" sz="1200" dirty="0"/>
@@ -4072,11 +4097,7 @@
             </a:pPr>
             <a:r>
               <a:rPr kumimoji="1" lang="ja-JP" altLang="en-US" sz="1200" dirty="0" smtClean="0"/>
-              <a:t>対象のゲームについて調査し</a:t>
-            </a:r>
-            <a:r>
-              <a:rPr kumimoji="1" lang="ja-JP" altLang="en-US" sz="1200" dirty="0" smtClean="0"/>
-              <a:t>、推移について可視化を行う。</a:t>
+              <a:t>対象のゲームについて調査し、推移について可視化を行う。</a:t>
             </a:r>
             <a:endParaRPr kumimoji="1" lang="en-US" altLang="ja-JP" sz="1200" dirty="0" smtClean="0"/>
           </a:p>
@@ -4124,15 +4145,7 @@
           <a:p>
             <a:r>
               <a:rPr kumimoji="1" lang="ja-JP" altLang="en-US" sz="1200" dirty="0" smtClean="0"/>
-              <a:t>ソーシャルゲームを調査し</a:t>
-            </a:r>
-            <a:r>
-              <a:rPr kumimoji="1" lang="ja-JP" altLang="en-US" sz="1200" dirty="0" smtClean="0"/>
-              <a:t>、推移</a:t>
-            </a:r>
-            <a:r>
-              <a:rPr kumimoji="1" lang="ja-JP" altLang="en-US" sz="1200" dirty="0" smtClean="0"/>
-              <a:t>を可視化した。</a:t>
+              <a:t>ソーシャルゲームを調査し、推移を可視化した。</a:t>
             </a:r>
             <a:endParaRPr kumimoji="1" lang="en-US" altLang="ja-JP" sz="1200" dirty="0" smtClean="0"/>
           </a:p>
@@ -4143,11 +4156,7 @@
             </a:r>
             <a:r>
               <a:rPr lang="ja-JP" altLang="en-US" sz="1200" dirty="0" smtClean="0"/>
-              <a:t>したグラフ</a:t>
-            </a:r>
-            <a:r>
-              <a:rPr lang="ja-JP" altLang="en-US" sz="1200" dirty="0" smtClean="0"/>
-              <a:t>を</a:t>
+              <a:t>したグラフを</a:t>
             </a:r>
             <a:r>
               <a:rPr lang="en-US" altLang="ja-JP" sz="1200" dirty="0" smtClean="0"/>
@@ -4155,11 +4164,7 @@
             </a:r>
             <a:r>
               <a:rPr lang="ja-JP" altLang="en-US" sz="1200" dirty="0" smtClean="0"/>
-              <a:t>パターンに分類</a:t>
-            </a:r>
-            <a:r>
-              <a:rPr lang="ja-JP" altLang="en-US" sz="1200" dirty="0" smtClean="0"/>
-              <a:t>した。</a:t>
+              <a:t>パターンに分類した。</a:t>
             </a:r>
             <a:endParaRPr kumimoji="1" lang="en-US" altLang="ja-JP" sz="1050" dirty="0" smtClean="0"/>
           </a:p>

--- a/課題研究/2015/遠藤一輝/ポスター.pptx
+++ b/課題研究/2015/遠藤一輝/ポスター.pptx
@@ -3820,63 +3820,6 @@
           </a:p>
         </p:txBody>
       </p:sp>
-      <p:graphicFrame>
-        <p:nvGraphicFramePr>
-          <p:cNvPr id="2" name="オブジェクト 1"/>
-          <p:cNvGraphicFramePr>
-            <a:graphicFrameLocks noChangeAspect="1"/>
-          </p:cNvGraphicFramePr>
-          <p:nvPr>
-            <p:extLst>
-              <p:ext uri="{D42A27DB-BD31-4B8C-83A1-F6EECF244321}">
-                <p14:modId xmlns:p14="http://schemas.microsoft.com/office/powerpoint/2010/main" val="148228817"/>
-              </p:ext>
-            </p:extLst>
-          </p:nvPr>
-        </p:nvGraphicFramePr>
-        <p:xfrm>
-          <a:off x="688256" y="5820044"/>
-          <a:ext cx="4018057" cy="2237533"/>
-        </p:xfrm>
-        <a:graphic>
-          <a:graphicData uri="http://schemas.openxmlformats.org/presentationml/2006/ole">
-            <mc:AlternateContent xmlns:mc="http://schemas.openxmlformats.org/markup-compatibility/2006">
-              <mc:Choice xmlns:v="urn:schemas-microsoft-com:vml" Requires="v">
-                <p:oleObj spid="_x0000_s1041" name="Acrobat Document" r:id="rId3" imgW="6309153" imgH="3512453" progId="AcroExch.Document.11">
-                  <p:embed/>
-                </p:oleObj>
-              </mc:Choice>
-              <mc:Fallback>
-                <p:oleObj name="Acrobat Document" r:id="rId3" imgW="6309153" imgH="3512453" progId="AcroExch.Document.11">
-                  <p:embed/>
-                  <p:pic>
-                    <p:nvPicPr>
-                      <p:cNvPr id="0" name=""/>
-                      <p:cNvPicPr/>
-                      <p:nvPr/>
-                    </p:nvPicPr>
-                    <p:blipFill>
-                      <a:blip r:embed="rId4"/>
-                      <a:stretch>
-                        <a:fillRect/>
-                      </a:stretch>
-                    </p:blipFill>
-                    <p:spPr>
-                      <a:xfrm>
-                        <a:off x="688256" y="5820044"/>
-                        <a:ext cx="4018057" cy="2237533"/>
-                      </a:xfrm>
-                      <a:prstGeom prst="rect">
-                        <a:avLst/>
-                      </a:prstGeom>
-                    </p:spPr>
-                  </p:pic>
-                </p:oleObj>
-              </mc:Fallback>
-            </mc:AlternateContent>
-          </a:graphicData>
-        </a:graphic>
-      </p:graphicFrame>
       <p:sp>
         <p:nvSpPr>
           <p:cNvPr id="6" name="テキスト ボックス 5"/>
@@ -4621,7 +4564,7 @@
         </p:nvSpPr>
         <p:spPr>
           <a:xfrm>
-            <a:off x="4706313" y="7278271"/>
+            <a:off x="4183339" y="7162442"/>
             <a:ext cx="1031051" cy="830997"/>
           </a:xfrm>
           <a:prstGeom prst="rect">
@@ -4692,6 +4635,234 @@
           </a:p>
         </p:txBody>
       </p:sp>
+      <p:graphicFrame>
+        <p:nvGraphicFramePr>
+          <p:cNvPr id="11" name="オブジェクト 10"/>
+          <p:cNvGraphicFramePr>
+            <a:graphicFrameLocks noChangeAspect="1"/>
+          </p:cNvGraphicFramePr>
+          <p:nvPr>
+            <p:extLst>
+              <p:ext uri="{D42A27DB-BD31-4B8C-83A1-F6EECF244321}">
+                <p14:modId xmlns:p14="http://schemas.microsoft.com/office/powerpoint/2010/main" val="1964238008"/>
+              </p:ext>
+            </p:extLst>
+          </p:nvPr>
+        </p:nvGraphicFramePr>
+        <p:xfrm>
+          <a:off x="826187" y="5782121"/>
+          <a:ext cx="1678576" cy="1094920"/>
+        </p:xfrm>
+        <a:graphic>
+          <a:graphicData uri="http://schemas.openxmlformats.org/presentationml/2006/ole">
+            <mc:AlternateContent xmlns:mc="http://schemas.openxmlformats.org/markup-compatibility/2006">
+              <mc:Choice xmlns:v="urn:schemas-microsoft-com:vml" Requires="v">
+                <p:oleObj spid="_x0000_s1046" name="Worksheet" r:id="rId4" imgW="4122308" imgH="2690017" progId="Excel.Sheet.12">
+                  <p:embed/>
+                </p:oleObj>
+              </mc:Choice>
+              <mc:Fallback>
+                <p:oleObj name="Worksheet" r:id="rId4" imgW="4122308" imgH="2690017" progId="Excel.Sheet.12">
+                  <p:embed/>
+                  <p:pic>
+                    <p:nvPicPr>
+                      <p:cNvPr id="0" name=""/>
+                      <p:cNvPicPr/>
+                      <p:nvPr/>
+                    </p:nvPicPr>
+                    <p:blipFill>
+                      <a:blip r:embed="rId5"/>
+                      <a:stretch>
+                        <a:fillRect/>
+                      </a:stretch>
+                    </p:blipFill>
+                    <p:spPr>
+                      <a:xfrm>
+                        <a:off x="826187" y="5782121"/>
+                        <a:ext cx="1678576" cy="1094920"/>
+                      </a:xfrm>
+                      <a:prstGeom prst="rect">
+                        <a:avLst/>
+                      </a:prstGeom>
+                    </p:spPr>
+                  </p:pic>
+                </p:oleObj>
+              </mc:Fallback>
+            </mc:AlternateContent>
+          </a:graphicData>
+        </a:graphic>
+      </p:graphicFrame>
+      <p:graphicFrame>
+        <p:nvGraphicFramePr>
+          <p:cNvPr id="15" name="オブジェクト 14"/>
+          <p:cNvGraphicFramePr>
+            <a:graphicFrameLocks noChangeAspect="1"/>
+          </p:cNvGraphicFramePr>
+          <p:nvPr>
+            <p:extLst>
+              <p:ext uri="{D42A27DB-BD31-4B8C-83A1-F6EECF244321}">
+                <p14:modId xmlns:p14="http://schemas.microsoft.com/office/powerpoint/2010/main" val="995303389"/>
+              </p:ext>
+            </p:extLst>
+          </p:nvPr>
+        </p:nvGraphicFramePr>
+        <p:xfrm>
+          <a:off x="2504763" y="5782121"/>
+          <a:ext cx="1678576" cy="1094920"/>
+        </p:xfrm>
+        <a:graphic>
+          <a:graphicData uri="http://schemas.openxmlformats.org/presentationml/2006/ole">
+            <mc:AlternateContent xmlns:mc="http://schemas.openxmlformats.org/markup-compatibility/2006">
+              <mc:Choice xmlns:v="urn:schemas-microsoft-com:vml" Requires="v">
+                <p:oleObj spid="_x0000_s1047" name="Worksheet" r:id="rId7" imgW="4122308" imgH="2690017" progId="Excel.Sheet.12">
+                  <p:embed/>
+                </p:oleObj>
+              </mc:Choice>
+              <mc:Fallback>
+                <p:oleObj name="Worksheet" r:id="rId7" imgW="4122308" imgH="2690017" progId="Excel.Sheet.12">
+                  <p:embed/>
+                  <p:pic>
+                    <p:nvPicPr>
+                      <p:cNvPr id="0" name=""/>
+                      <p:cNvPicPr/>
+                      <p:nvPr/>
+                    </p:nvPicPr>
+                    <p:blipFill>
+                      <a:blip r:embed="rId8"/>
+                      <a:stretch>
+                        <a:fillRect/>
+                      </a:stretch>
+                    </p:blipFill>
+                    <p:spPr>
+                      <a:xfrm>
+                        <a:off x="2504763" y="5782121"/>
+                        <a:ext cx="1678576" cy="1094920"/>
+                      </a:xfrm>
+                      <a:prstGeom prst="rect">
+                        <a:avLst/>
+                      </a:prstGeom>
+                    </p:spPr>
+                  </p:pic>
+                </p:oleObj>
+              </mc:Fallback>
+            </mc:AlternateContent>
+          </a:graphicData>
+        </a:graphic>
+      </p:graphicFrame>
+      <p:graphicFrame>
+        <p:nvGraphicFramePr>
+          <p:cNvPr id="22" name="オブジェクト 21"/>
+          <p:cNvGraphicFramePr>
+            <a:graphicFrameLocks noChangeAspect="1"/>
+          </p:cNvGraphicFramePr>
+          <p:nvPr>
+            <p:extLst>
+              <p:ext uri="{D42A27DB-BD31-4B8C-83A1-F6EECF244321}">
+                <p14:modId xmlns:p14="http://schemas.microsoft.com/office/powerpoint/2010/main" val="1478077038"/>
+              </p:ext>
+            </p:extLst>
+          </p:nvPr>
+        </p:nvGraphicFramePr>
+        <p:xfrm>
+          <a:off x="820507" y="6877040"/>
+          <a:ext cx="1684256" cy="1119314"/>
+        </p:xfrm>
+        <a:graphic>
+          <a:graphicData uri="http://schemas.openxmlformats.org/presentationml/2006/ole">
+            <mc:AlternateContent xmlns:mc="http://schemas.openxmlformats.org/markup-compatibility/2006">
+              <mc:Choice xmlns:v="urn:schemas-microsoft-com:vml" Requires="v">
+                <p:oleObj spid="_x0000_s1048" name="Worksheet" r:id="rId10" imgW="4046342" imgH="2690017" progId="Excel.Sheet.12">
+                  <p:embed/>
+                </p:oleObj>
+              </mc:Choice>
+              <mc:Fallback>
+                <p:oleObj name="Worksheet" r:id="rId10" imgW="4046342" imgH="2690017" progId="Excel.Sheet.12">
+                  <p:embed/>
+                  <p:pic>
+                    <p:nvPicPr>
+                      <p:cNvPr id="0" name=""/>
+                      <p:cNvPicPr/>
+                      <p:nvPr/>
+                    </p:nvPicPr>
+                    <p:blipFill>
+                      <a:blip r:embed="rId11"/>
+                      <a:stretch>
+                        <a:fillRect/>
+                      </a:stretch>
+                    </p:blipFill>
+                    <p:spPr>
+                      <a:xfrm>
+                        <a:off x="820507" y="6877040"/>
+                        <a:ext cx="1684256" cy="1119314"/>
+                      </a:xfrm>
+                      <a:prstGeom prst="rect">
+                        <a:avLst/>
+                      </a:prstGeom>
+                    </p:spPr>
+                  </p:pic>
+                </p:oleObj>
+              </mc:Fallback>
+            </mc:AlternateContent>
+          </a:graphicData>
+        </a:graphic>
+      </p:graphicFrame>
+      <p:graphicFrame>
+        <p:nvGraphicFramePr>
+          <p:cNvPr id="26" name="オブジェクト 25"/>
+          <p:cNvGraphicFramePr>
+            <a:graphicFrameLocks noChangeAspect="1"/>
+          </p:cNvGraphicFramePr>
+          <p:nvPr>
+            <p:extLst>
+              <p:ext uri="{D42A27DB-BD31-4B8C-83A1-F6EECF244321}">
+                <p14:modId xmlns:p14="http://schemas.microsoft.com/office/powerpoint/2010/main" val="2176824422"/>
+              </p:ext>
+            </p:extLst>
+          </p:nvPr>
+        </p:nvGraphicFramePr>
+        <p:xfrm>
+          <a:off x="2504764" y="6877041"/>
+          <a:ext cx="1678575" cy="1115538"/>
+        </p:xfrm>
+        <a:graphic>
+          <a:graphicData uri="http://schemas.openxmlformats.org/presentationml/2006/ole">
+            <mc:AlternateContent xmlns:mc="http://schemas.openxmlformats.org/markup-compatibility/2006">
+              <mc:Choice xmlns:v="urn:schemas-microsoft-com:vml" Requires="v">
+                <p:oleObj spid="_x0000_s1049" name="Worksheet" r:id="rId13" imgW="4046342" imgH="2690017" progId="Excel.Sheet.12">
+                  <p:embed/>
+                </p:oleObj>
+              </mc:Choice>
+              <mc:Fallback>
+                <p:oleObj name="Worksheet" r:id="rId13" imgW="4046342" imgH="2690017" progId="Excel.Sheet.12">
+                  <p:embed/>
+                  <p:pic>
+                    <p:nvPicPr>
+                      <p:cNvPr id="0" name=""/>
+                      <p:cNvPicPr/>
+                      <p:nvPr/>
+                    </p:nvPicPr>
+                    <p:blipFill>
+                      <a:blip r:embed="rId14"/>
+                      <a:stretch>
+                        <a:fillRect/>
+                      </a:stretch>
+                    </p:blipFill>
+                    <p:spPr>
+                      <a:xfrm>
+                        <a:off x="2504764" y="6877041"/>
+                        <a:ext cx="1678575" cy="1115538"/>
+                      </a:xfrm>
+                      <a:prstGeom prst="rect">
+                        <a:avLst/>
+                      </a:prstGeom>
+                    </p:spPr>
+                  </p:pic>
+                </p:oleObj>
+              </mc:Fallback>
+            </mc:AlternateContent>
+          </a:graphicData>
+        </a:graphic>
+      </p:graphicFrame>
     </p:spTree>
     <p:extLst>
       <p:ext uri="{BB962C8B-B14F-4D97-AF65-F5344CB8AC3E}">
